--- a/training-cards/music moves/Training Cards (TRC)/ger/apprentice/ger_TRC_03_Trainingskarte_layouten_MM_A.pptx
+++ b/training-cards/music moves/Training Cards (TRC)/ger/apprentice/ger_TRC_03_Trainingskarte_layouten_MM_A.pptx
@@ -1460,10 +1460,367 @@
         </p:nvSpPr>
         <p:spPr/>
         <p:txBody>
-          <a:bodyPr/>
+          <a:bodyPr>
+            <a:normAutofit fontScale="92500" lnSpcReduction="10000"/>
+          </a:bodyPr>
           <a:lstStyle/>
           <a:p>
-            <a:endParaRPr lang="de-DE"/>
+            <a:r>
+              <a:rPr lang="de-DE" dirty="0"/>
+              <a:t>Das Layout der Trainingskarten wurde </a:t>
+            </a:r>
+            <a:r>
+              <a:rPr lang="de-DE" dirty="0" smtClean="0"/>
+              <a:t>professionell entworfen</a:t>
+            </a:r>
+            <a:r>
+              <a:rPr lang="de-DE" dirty="0"/>
+              <a:t>. Es steht in </a:t>
+            </a:r>
+            <a:r>
+              <a:rPr lang="de-DE" dirty="0" err="1"/>
+              <a:t>github</a:t>
+            </a:r>
+            <a:r>
+              <a:rPr lang="de-DE" dirty="0"/>
+              <a:t> </a:t>
+            </a:r>
+            <a:r>
+              <a:rPr lang="de-DE" dirty="0" smtClean="0"/>
+              <a:t/>
+            </a:r>
+            <a:br>
+              <a:rPr lang="de-DE" dirty="0" smtClean="0"/>
+            </a:br>
+            <a:r>
+              <a:rPr lang="de-DE" dirty="0" smtClean="0"/>
+              <a:t>(http://</a:t>
+            </a:r>
+            <a:r>
+              <a:rPr lang="de-DE" dirty="0" err="1" smtClean="0"/>
+              <a:t>github.com</a:t>
+            </a:r>
+            <a:r>
+              <a:rPr lang="de-DE" dirty="0" smtClean="0"/>
+              <a:t>/</a:t>
+            </a:r>
+            <a:r>
+              <a:rPr lang="de-DE" dirty="0" err="1" smtClean="0"/>
+              <a:t>Teamtool</a:t>
+            </a:r>
+            <a:r>
+              <a:rPr lang="de-DE" dirty="0" smtClean="0"/>
+              <a:t>/</a:t>
+            </a:r>
+            <a:r>
+              <a:rPr lang="de-DE" dirty="0" err="1" smtClean="0"/>
+              <a:t>training</a:t>
+            </a:r>
+            <a:r>
+              <a:rPr lang="de-DE" dirty="0" smtClean="0"/>
+              <a:t>-cards) </a:t>
+            </a:r>
+            <a:r>
+              <a:rPr lang="de-DE" dirty="0" smtClean="0"/>
+              <a:t>als Vorlage bzw. Schablone frei zur Verfügung.</a:t>
+            </a:r>
+            <a:endParaRPr lang="de-DE" dirty="0">
+              <a:hlinkClick r:id="rId2"/>
+            </a:endParaRPr>
+          </a:p>
+          <a:p>
+            <a:r>
+              <a:rPr lang="de-DE" dirty="0" smtClean="0"/>
+              <a:t>Beim </a:t>
+            </a:r>
+            <a:r>
+              <a:rPr lang="de-DE" dirty="0" err="1" smtClean="0"/>
+              <a:t>Befüllen</a:t>
+            </a:r>
+            <a:r>
+              <a:rPr lang="de-DE" dirty="0" smtClean="0"/>
+              <a:t> </a:t>
+            </a:r>
+            <a:r>
+              <a:rPr lang="de-DE" dirty="0"/>
+              <a:t>gibt es Standards, an die man sich halten sollte, um dem Layout gerecht zu werden.</a:t>
+            </a:r>
+          </a:p>
+          <a:p>
+            <a:r>
+              <a:rPr lang="de-DE" dirty="0"/>
+              <a:t>Der Titel neben dem Logo ist 24 </a:t>
+            </a:r>
+            <a:r>
+              <a:rPr lang="de-DE" dirty="0" err="1"/>
+              <a:t>pt</a:t>
+            </a:r>
+            <a:r>
+              <a:rPr lang="de-DE" dirty="0"/>
+              <a:t> groß und wird in Großbuchstaben geschrieben. Die erste Hälfte der Überschrift ist dick (</a:t>
+            </a:r>
+            <a:r>
+              <a:rPr lang="de-DE" dirty="0" err="1"/>
+              <a:t>Avenir</a:t>
+            </a:r>
+            <a:r>
+              <a:rPr lang="de-DE" dirty="0"/>
+              <a:t> Heavy) und die zweite dünn (</a:t>
+            </a:r>
+            <a:r>
+              <a:rPr lang="de-DE" dirty="0" err="1"/>
+              <a:t>Avenir</a:t>
+            </a:r>
+            <a:r>
+              <a:rPr lang="de-DE" dirty="0"/>
+              <a:t> Book).</a:t>
+            </a:r>
+          </a:p>
+          <a:p>
+            <a:r>
+              <a:rPr lang="de-DE" dirty="0"/>
+              <a:t>Unterhalb des Titels steht der volle Name des Autors in </a:t>
+            </a:r>
+            <a:r>
+              <a:rPr lang="de-DE" dirty="0" err="1"/>
+              <a:t>Avenir</a:t>
+            </a:r>
+            <a:r>
+              <a:rPr lang="de-DE" dirty="0"/>
+              <a:t> mit dunkelgrauen </a:t>
+            </a:r>
+            <a:r>
+              <a:rPr lang="de-DE" dirty="0" smtClean="0"/>
+              <a:t>Großbuchstaben, daneben das Datum der letzten Änderung in grauer, normaler Schrift.</a:t>
+            </a:r>
+            <a:endParaRPr lang="de-DE" dirty="0"/>
+          </a:p>
+          <a:p>
+            <a:r>
+              <a:rPr lang="de-DE" dirty="0"/>
+              <a:t>Die </a:t>
+            </a:r>
+            <a:r>
+              <a:rPr lang="de-DE" dirty="0" err="1"/>
+              <a:t>Bulletpoints</a:t>
+            </a:r>
+            <a:r>
+              <a:rPr lang="de-DE" dirty="0"/>
+              <a:t> auf der Vorderseite sind Pfeile, die Schrift ist </a:t>
+            </a:r>
+            <a:r>
+              <a:rPr lang="de-DE" dirty="0" err="1"/>
+              <a:t>Avenir</a:t>
+            </a:r>
+            <a:r>
+              <a:rPr lang="de-DE" dirty="0"/>
+              <a:t> oder Calibri in dunkelgrau.</a:t>
+            </a:r>
+          </a:p>
+          <a:p>
+            <a:r>
+              <a:rPr lang="de-DE" dirty="0"/>
+              <a:t>Textgröße variiert zwischen 8 </a:t>
+            </a:r>
+            <a:r>
+              <a:rPr lang="de-DE" dirty="0" err="1"/>
+              <a:t>pt</a:t>
+            </a:r>
+            <a:r>
+              <a:rPr lang="de-DE" dirty="0"/>
+              <a:t> und 14 </a:t>
+            </a:r>
+            <a:r>
+              <a:rPr lang="de-DE" dirty="0" err="1"/>
+              <a:t>pt</a:t>
+            </a:r>
+            <a:r>
+              <a:rPr lang="de-DE" dirty="0"/>
+              <a:t>. Die Sprache ist knapp und präzise. Wenn Du das Layout nicht einhalten kannst, weil Du zu viel geschrieben hast, reduziere Deine Worte oder mache aus Deiner Idee zwei Trainingskarten.</a:t>
+            </a:r>
+          </a:p>
+          <a:p>
+            <a:r>
+              <a:rPr lang="de-DE" dirty="0"/>
+              <a:t>Die Anrede auf der Karte ist „per Du“, wobei das „Du“ groß geschrieben wird.</a:t>
+            </a:r>
+          </a:p>
+          <a:p>
+            <a:r>
+              <a:rPr lang="de-DE" dirty="0"/>
+              <a:t>Auf der Rückseite sind die </a:t>
+            </a:r>
+            <a:r>
+              <a:rPr lang="de-DE" dirty="0" err="1" smtClean="0"/>
+              <a:t>Bulletpoints</a:t>
+            </a:r>
+            <a:r>
+              <a:rPr lang="de-DE" dirty="0" smtClean="0"/>
+              <a:t> </a:t>
+            </a:r>
+            <a:r>
+              <a:rPr lang="de-DE" dirty="0"/>
+              <a:t>leere Kästchen.</a:t>
+            </a:r>
+          </a:p>
+          <a:p>
+            <a:r>
+              <a:rPr lang="de-DE" dirty="0"/>
+              <a:t>Je nach Level </a:t>
+            </a:r>
+            <a:r>
+              <a:rPr lang="de-DE" dirty="0" smtClean="0"/>
+              <a:t>sollte</a:t>
+            </a:r>
+            <a:r>
+              <a:rPr lang="de-DE" dirty="0" smtClean="0"/>
+              <a:t> </a:t>
+            </a:r>
+            <a:r>
+              <a:rPr lang="de-DE" dirty="0"/>
+              <a:t>auf der </a:t>
+            </a:r>
+            <a:r>
+              <a:rPr lang="de-DE" dirty="0" smtClean="0"/>
+              <a:t>Rückseite rechts unten </a:t>
+            </a:r>
+            <a:r>
+              <a:rPr lang="de-DE" dirty="0"/>
+              <a:t>das entsprechende Icon eingefügt werden. Standard ist das </a:t>
+            </a:r>
+            <a:r>
+              <a:rPr lang="de-DE" dirty="0" err="1"/>
+              <a:t>Apprentice</a:t>
+            </a:r>
+            <a:r>
+              <a:rPr lang="de-DE" dirty="0"/>
+              <a:t> Icon (</a:t>
+            </a:r>
+            <a:r>
+              <a:rPr lang="de-DE" dirty="0" smtClean="0"/>
+              <a:t>Baseballkappe</a:t>
+            </a:r>
+            <a:r>
+              <a:rPr lang="de-DE" dirty="0"/>
+              <a:t>), aber auch die </a:t>
+            </a:r>
+            <a:r>
+              <a:rPr lang="de-DE" dirty="0" smtClean="0"/>
+              <a:t>Icons </a:t>
+            </a:r>
+            <a:r>
+              <a:rPr lang="de-DE" dirty="0"/>
+              <a:t>der beiden anderen </a:t>
+            </a:r>
+            <a:r>
+              <a:rPr lang="de-DE" dirty="0" smtClean="0"/>
+              <a:t>Level </a:t>
+            </a:r>
+            <a:r>
+              <a:rPr lang="de-DE" dirty="0"/>
+              <a:t>stehen in </a:t>
+            </a:r>
+            <a:r>
+              <a:rPr lang="de-DE" dirty="0" err="1"/>
+              <a:t>github</a:t>
+            </a:r>
+            <a:r>
+              <a:rPr lang="de-DE" dirty="0"/>
+              <a:t> zur Verfügung.</a:t>
+            </a:r>
+          </a:p>
+          <a:p>
+            <a:r>
+              <a:rPr lang="de-DE" dirty="0"/>
+              <a:t>Im rechten oberen Eck gibt es für jede Trainingskarte eine Signatur. Du kannst </a:t>
+            </a:r>
+            <a:r>
+              <a:rPr lang="de-DE" dirty="0" smtClean="0"/>
+              <a:t>Dir </a:t>
+            </a:r>
+            <a:r>
+              <a:rPr lang="de-DE" dirty="0"/>
+              <a:t>selbst ein Identifizierungskonzept ausdenken. Wenn </a:t>
+            </a:r>
+            <a:r>
+              <a:rPr lang="de-DE" dirty="0" smtClean="0"/>
+              <a:t>Du </a:t>
+            </a:r>
+            <a:r>
+              <a:rPr lang="de-DE" dirty="0"/>
+              <a:t>eine offizielle Signatur von der </a:t>
+            </a:r>
+            <a:r>
+              <a:rPr lang="de-DE" dirty="0" err="1"/>
+              <a:t>music</a:t>
+            </a:r>
+            <a:r>
+              <a:rPr lang="de-DE" dirty="0"/>
+              <a:t> </a:t>
+            </a:r>
+            <a:r>
+              <a:rPr lang="de-DE" dirty="0" err="1"/>
+              <a:t>moves</a:t>
+            </a:r>
+            <a:r>
+              <a:rPr lang="de-DE" dirty="0"/>
+              <a:t> </a:t>
+            </a:r>
+            <a:r>
+              <a:rPr lang="de-DE" dirty="0"/>
+              <a:t>C</a:t>
+            </a:r>
+            <a:r>
+              <a:rPr lang="de-DE" dirty="0" smtClean="0"/>
+              <a:t>ommunity </a:t>
+            </a:r>
+            <a:r>
+              <a:rPr lang="de-DE" dirty="0"/>
+              <a:t>haben möchtest, </a:t>
+            </a:r>
+            <a:r>
+              <a:rPr lang="de-DE"/>
+              <a:t>setze </a:t>
+            </a:r>
+            <a:r>
+              <a:rPr lang="de-DE" smtClean="0"/>
+              <a:t>Dich </a:t>
+            </a:r>
+            <a:r>
+              <a:rPr lang="de-DE" dirty="0"/>
+              <a:t>über die Webseite www.music-moves.de </a:t>
+            </a:r>
+            <a:r>
+              <a:rPr lang="de-DE" dirty="0" smtClean="0"/>
+              <a:t>mit ihr in Verbindung.</a:t>
+            </a:r>
+          </a:p>
+          <a:p>
+            <a:r>
+              <a:rPr lang="de-DE" dirty="0" smtClean="0"/>
+              <a:t>Wenn Du Deine Trainingskarte rechtlich schützen lassen willst, kannst Du auf der Rückseite unten mittig eine Creative </a:t>
+            </a:r>
+            <a:r>
+              <a:rPr lang="de-DE" dirty="0" err="1" smtClean="0"/>
+              <a:t>Commons</a:t>
+            </a:r>
+            <a:r>
+              <a:rPr lang="de-DE" dirty="0" smtClean="0"/>
+              <a:t> Lizenz platzieren. Informationen hierzu findest Du </a:t>
+            </a:r>
+            <a:r>
+              <a:rPr lang="de-DE" dirty="0"/>
+              <a:t>unter: http://</a:t>
+            </a:r>
+            <a:r>
+              <a:rPr lang="de-DE" dirty="0" err="1"/>
+              <a:t>de.creativecommons.org</a:t>
+            </a:r>
+            <a:r>
+              <a:rPr lang="de-DE" dirty="0"/>
+              <a:t>/was-ist-cc/</a:t>
+            </a:r>
+            <a:endParaRPr lang="de-DE" dirty="0"/>
           </a:p>
         </p:txBody>
       </p:sp>
@@ -1491,11 +1848,19 @@
             </a:r>
             <a:r>
               <a:rPr lang="de-DE" cap="none" dirty="0" smtClean="0"/>
-              <a:t>zuletzt geändert </a:t>
-            </a:r>
-            <a:r>
-              <a:rPr lang="de-DE" dirty="0" smtClean="0"/>
-              <a:t>am 19. </a:t>
+              <a:t>zuletzt </a:t>
+            </a:r>
+            <a:r>
+              <a:rPr lang="de-DE" cap="none" dirty="0" smtClean="0"/>
+              <a:t>geändert am</a:t>
+            </a:r>
+            <a:r>
+              <a:rPr lang="de-DE" dirty="0" smtClean="0"/>
+              <a:t> </a:t>
+            </a:r>
+            <a:r>
+              <a:rPr lang="de-DE" dirty="0" smtClean="0"/>
+              <a:t>19. </a:t>
             </a:r>
             <a:r>
               <a:rPr lang="de-DE" cap="none" dirty="0" smtClean="0"/>
@@ -1554,7 +1919,47 @@
           <a:bodyPr/>
           <a:lstStyle/>
           <a:p>
-            <a:endParaRPr lang="de-DE"/>
+            <a:r>
+              <a:rPr lang="de-DE" dirty="0"/>
+              <a:t>Layoute eine Trainingskarte und diskutiere sie mit </a:t>
+            </a:r>
+            <a:r>
+              <a:rPr lang="de-DE" dirty="0" smtClean="0"/>
+              <a:t>Deinem </a:t>
+            </a:r>
+            <a:r>
+              <a:rPr lang="de-DE" dirty="0"/>
+              <a:t>Team oder einem Music </a:t>
+            </a:r>
+            <a:r>
+              <a:rPr lang="de-DE" dirty="0" err="1"/>
+              <a:t>Moves</a:t>
+            </a:r>
+            <a:r>
+              <a:rPr lang="de-DE" dirty="0"/>
+              <a:t> Trainer</a:t>
+            </a:r>
+            <a:r>
+              <a:rPr lang="de-DE" dirty="0" smtClean="0"/>
+              <a:t>.</a:t>
+            </a:r>
+            <a:endParaRPr lang="de-DE" dirty="0"/>
+          </a:p>
+          <a:p>
+            <a:r>
+              <a:rPr lang="de-DE" dirty="0"/>
+              <a:t>Arbeite das Feedback in das Layout Deiner Karte ein.</a:t>
+            </a:r>
+          </a:p>
+          <a:p>
+            <a:pPr marL="0" indent="0">
+              <a:buNone/>
+            </a:pPr>
+            <a:r>
+              <a:rPr lang="de-DE" dirty="0"/>
+              <a:t> </a:t>
+            </a:r>
+            <a:endParaRPr lang="de-DE" dirty="0"/>
           </a:p>
         </p:txBody>
       </p:sp>

--- a/training-cards/music moves/Training Cards (TRC)/ger/apprentice/ger_TRC_03_Trainingskarte_layouten_MM_A.pptx
+++ b/training-cards/music moves/Training Cards (TRC)/ger/apprentice/ger_TRC_03_Trainingskarte_layouten_MM_A.pptx
@@ -105,6 +105,22 @@
       </a:defRPr>
     </a:lvl9pPr>
   </p:defaultTextStyle>
+  <p:extLst>
+    <p:ext uri="{EFAFB233-063F-42B5-8137-9DF3F51BA10A}">
+      <p15:sldGuideLst xmlns:p15="http://schemas.microsoft.com/office/powerpoint/2012/main">
+        <p15:guide id="1" orient="horz" pos="872">
+          <p15:clr>
+            <a:srgbClr val="A4A3A4"/>
+          </p15:clr>
+        </p15:guide>
+        <p15:guide id="2" pos="735">
+          <p15:clr>
+            <a:srgbClr val="A4A3A4"/>
+          </p15:clr>
+        </p15:guide>
+      </p15:sldGuideLst>
+    </p:ext>
+  </p:extLst>
 </p:presentation>
 </file>
 
@@ -153,10 +169,9 @@
           </a:lstStyle>
           <a:p>
             <a:r>
-              <a:rPr lang="de-DE" dirty="0" smtClean="0"/>
+              <a:rPr lang="de-DE" dirty="0"/>
               <a:t>TITEL HINZUFÜGEN</a:t>
             </a:r>
-            <a:endParaRPr lang="de-DE" dirty="0"/>
           </a:p>
         </p:txBody>
       </p:sp>
@@ -187,35 +202,35 @@
           <a:p>
             <a:pPr lvl="0"/>
             <a:r>
-              <a:rPr lang="de-DE" smtClean="0"/>
+              <a:rPr lang="de-DE"/>
               <a:t>Mastertextformat bearbeiten</a:t>
             </a:r>
           </a:p>
           <a:p>
             <a:pPr lvl="1"/>
             <a:r>
-              <a:rPr lang="de-DE" smtClean="0"/>
+              <a:rPr lang="de-DE"/>
               <a:t>Zweite Ebene</a:t>
             </a:r>
           </a:p>
           <a:p>
             <a:pPr lvl="2"/>
             <a:r>
-              <a:rPr lang="de-DE" smtClean="0"/>
+              <a:rPr lang="de-DE"/>
               <a:t>Dritte Ebene</a:t>
             </a:r>
           </a:p>
           <a:p>
             <a:pPr lvl="3"/>
             <a:r>
-              <a:rPr lang="de-DE" smtClean="0"/>
+              <a:rPr lang="de-DE"/>
               <a:t>Vierte Ebene</a:t>
             </a:r>
           </a:p>
           <a:p>
             <a:pPr lvl="4"/>
             <a:r>
-              <a:rPr lang="de-DE" smtClean="0"/>
+              <a:rPr lang="de-DE"/>
               <a:t>Fünfte Ebene</a:t>
             </a:r>
             <a:endParaRPr lang="de-DE" dirty="0"/>
@@ -262,7 +277,7 @@
               <a:buNone/>
             </a:pPr>
             <a:r>
-              <a:rPr lang="de-DE" smtClean="0"/>
+              <a:rPr lang="de-DE"/>
               <a:t>Master-Untertitelformat bearbeiten</a:t>
             </a:r>
             <a:endParaRPr lang="de-DE" dirty="0"/>
@@ -378,35 +393,35 @@
           <a:p>
             <a:pPr lvl="0"/>
             <a:r>
-              <a:rPr lang="de-DE" smtClean="0"/>
+              <a:rPr lang="de-DE"/>
               <a:t>Mastertextformat bearbeiten</a:t>
             </a:r>
           </a:p>
           <a:p>
             <a:pPr lvl="1"/>
             <a:r>
-              <a:rPr lang="de-DE" smtClean="0"/>
+              <a:rPr lang="de-DE"/>
               <a:t>Zweite Ebene</a:t>
             </a:r>
           </a:p>
           <a:p>
             <a:pPr lvl="2"/>
             <a:r>
-              <a:rPr lang="de-DE" smtClean="0"/>
+              <a:rPr lang="de-DE"/>
               <a:t>Dritte Ebene</a:t>
             </a:r>
           </a:p>
           <a:p>
             <a:pPr lvl="3"/>
             <a:r>
-              <a:rPr lang="de-DE" smtClean="0"/>
+              <a:rPr lang="de-DE"/>
               <a:t>Vierte Ebene</a:t>
             </a:r>
           </a:p>
           <a:p>
             <a:pPr lvl="4"/>
             <a:r>
-              <a:rPr lang="de-DE" smtClean="0"/>
+              <a:rPr lang="de-DE"/>
               <a:t>Fünfte Ebene</a:t>
             </a:r>
             <a:endParaRPr lang="de-DE" dirty="0"/>
@@ -436,7 +451,7 @@
           <a:lstStyle/>
           <a:p>
             <a:r>
-              <a:rPr lang="de-DE" sz="2400" dirty="0" smtClean="0">
+              <a:rPr lang="de-DE" sz="2400" dirty="0">
                 <a:solidFill>
                   <a:srgbClr val="7E006B"/>
                 </a:solidFill>
@@ -446,7 +461,7 @@
               <a:t>TR	AININGS</a:t>
             </a:r>
             <a:r>
-              <a:rPr lang="de-DE" sz="2400" dirty="0" smtClean="0">
+              <a:rPr lang="de-DE" sz="2400" dirty="0">
                 <a:solidFill>
                   <a:srgbClr val="7E006B"/>
                 </a:solidFill>
@@ -541,10 +556,9 @@
           <a:lstStyle/>
           <a:p>
             <a:r>
-              <a:rPr lang="de-DE" smtClean="0"/>
+              <a:rPr lang="de-DE"/>
               <a:t>Mastertitelformat bearbeiten</a:t>
             </a:r>
-            <a:endParaRPr lang="de-DE"/>
           </a:p>
         </p:txBody>
       </p:sp>
@@ -565,7 +579,7 @@
           <a:p>
             <a:fld id="{FF5B2BAF-DF38-0A48-A798-0C06E514FD52}" type="datetimeFigureOut">
               <a:rPr lang="de-DE" smtClean="0"/>
-              <a:t>19.10.15</a:t>
+              <a:t>25.07.23</a:t>
             </a:fld>
             <a:endParaRPr lang="de-DE" dirty="0"/>
           </a:p>
@@ -676,17 +690,16 @@
           <a:p>
             <a:pPr marL="0" lvl="0" algn="l"/>
             <a:r>
-              <a:rPr lang="de-DE" dirty="0" smtClean="0"/>
+              <a:rPr lang="de-DE" dirty="0"/>
               <a:t>Überschrift </a:t>
             </a:r>
             <a:br>
-              <a:rPr lang="de-DE" dirty="0" smtClean="0"/>
+              <a:rPr lang="de-DE" dirty="0"/>
             </a:br>
             <a:r>
-              <a:rPr lang="de-DE" dirty="0" smtClean="0"/>
+              <a:rPr lang="de-DE" dirty="0"/>
               <a:t>bearbeiten </a:t>
             </a:r>
-            <a:endParaRPr lang="de-DE" dirty="0"/>
           </a:p>
         </p:txBody>
       </p:sp>
@@ -717,38 +730,37 @@
           <a:p>
             <a:pPr lvl="0"/>
             <a:r>
-              <a:rPr lang="de-DE" dirty="0" smtClean="0"/>
+              <a:rPr lang="de-DE" dirty="0"/>
               <a:t>Mastertextformat bearbeiten</a:t>
             </a:r>
           </a:p>
           <a:p>
             <a:pPr lvl="1"/>
             <a:r>
-              <a:rPr lang="de-DE" dirty="0" smtClean="0"/>
+              <a:rPr lang="de-DE" dirty="0"/>
               <a:t>Zweite Ebene</a:t>
             </a:r>
           </a:p>
           <a:p>
             <a:pPr lvl="2"/>
             <a:r>
-              <a:rPr lang="de-DE" dirty="0" smtClean="0"/>
+              <a:rPr lang="de-DE" dirty="0"/>
               <a:t>Dritte Ebene</a:t>
             </a:r>
           </a:p>
           <a:p>
             <a:pPr lvl="3"/>
             <a:r>
-              <a:rPr lang="de-DE" dirty="0" smtClean="0"/>
+              <a:rPr lang="de-DE" dirty="0"/>
               <a:t>Vierte Ebene</a:t>
             </a:r>
           </a:p>
           <a:p>
             <a:pPr lvl="4"/>
             <a:r>
-              <a:rPr lang="de-DE" dirty="0" smtClean="0"/>
+              <a:rPr lang="de-DE" dirty="0"/>
               <a:t>Fünfte Ebene</a:t>
             </a:r>
-            <a:endParaRPr lang="de-DE" dirty="0"/>
           </a:p>
         </p:txBody>
       </p:sp>
@@ -787,7 +799,7 @@
           <a:p>
             <a:fld id="{FF5B2BAF-DF38-0A48-A798-0C06E514FD52}" type="datetimeFigureOut">
               <a:rPr lang="de-DE" smtClean="0"/>
-              <a:t>19.10.15</a:t>
+              <a:t>25.07.23</a:t>
             </a:fld>
             <a:endParaRPr lang="de-DE" dirty="0"/>
           </a:p>
@@ -1021,7 +1033,7 @@
           <a:lstStyle/>
           <a:p>
             <a:r>
-              <a:rPr lang="de-DE" sz="1050" b="1" dirty="0" smtClean="0">
+              <a:rPr lang="de-DE" sz="1050" b="1" dirty="0">
                 <a:solidFill>
                   <a:schemeClr val="bg1"/>
                 </a:solidFill>
@@ -1031,7 +1043,7 @@
               <a:t>TRAININGSKARTE</a:t>
             </a:r>
             <a:r>
-              <a:rPr lang="de-DE" sz="1050" dirty="0" smtClean="0">
+              <a:rPr lang="de-DE" sz="1050" dirty="0">
                 <a:solidFill>
                   <a:schemeClr val="bg1"/>
                 </a:solidFill>
@@ -1041,7 +1053,7 @@
               <a:t> </a:t>
             </a:r>
             <a:r>
-              <a:rPr lang="de-DE" sz="1050" b="1" dirty="0" smtClean="0">
+              <a:rPr lang="de-DE" sz="1050" b="1" dirty="0">
                 <a:solidFill>
                   <a:schemeClr val="bg1"/>
                 </a:solidFill>
@@ -1050,13 +1062,6 @@
               </a:rPr>
               <a:t>TRC 03</a:t>
             </a:r>
-            <a:endParaRPr lang="de-DE" sz="1050" b="1" dirty="0">
-              <a:solidFill>
-                <a:schemeClr val="bg1"/>
-              </a:solidFill>
-              <a:latin typeface="Avenir Heavy"/>
-              <a:cs typeface="Avenir Heavy"/>
-            </a:endParaRPr>
           </a:p>
         </p:txBody>
       </p:sp>
@@ -1434,17 +1439,16 @@
           <a:lstStyle/>
           <a:p>
             <a:r>
-              <a:rPr lang="de-DE" dirty="0" smtClean="0">
+              <a:rPr lang="de-DE" dirty="0">
                 <a:latin typeface="Avenir Heavy"/>
                 <a:cs typeface="Avenir Heavy"/>
               </a:rPr>
               <a:t>TRAININGSKARTE</a:t>
             </a:r>
             <a:r>
-              <a:rPr lang="de-DE" dirty="0" smtClean="0"/>
+              <a:rPr lang="de-DE" dirty="0"/>
               <a:t> LAYOUTEN</a:t>
             </a:r>
-            <a:endParaRPr lang="de-DE" dirty="0"/>
           </a:p>
         </p:txBody>
       </p:sp>
@@ -1467,15 +1471,7 @@
           <a:p>
             <a:r>
               <a:rPr lang="de-DE" dirty="0"/>
-              <a:t>Das Layout der Trainingskarten wurde </a:t>
-            </a:r>
-            <a:r>
-              <a:rPr lang="de-DE" dirty="0" smtClean="0"/>
-              <a:t>professionell entworfen</a:t>
-            </a:r>
-            <a:r>
-              <a:rPr lang="de-DE" dirty="0"/>
-              <a:t>. Es steht in </a:t>
+              <a:t>Das Layout der Trainingskarten wurde professionell entworfen. Es steht in </a:t>
             </a:r>
             <a:r>
               <a:rPr lang="de-DE" dirty="0" err="1"/>
@@ -1485,44 +1481,36 @@
               <a:rPr lang="de-DE" dirty="0"/>
               <a:t> </a:t>
             </a:r>
-            <a:r>
-              <a:rPr lang="de-DE" dirty="0" smtClean="0"/>
-              <a:t/>
-            </a:r>
             <a:br>
-              <a:rPr lang="de-DE" dirty="0" smtClean="0"/>
+              <a:rPr lang="de-DE" dirty="0"/>
             </a:br>
             <a:r>
-              <a:rPr lang="de-DE" dirty="0" smtClean="0"/>
+              <a:rPr lang="de-DE" dirty="0"/>
               <a:t>(http://</a:t>
             </a:r>
             <a:r>
-              <a:rPr lang="de-DE" dirty="0" err="1" smtClean="0"/>
+              <a:rPr lang="de-DE" dirty="0" err="1"/>
               <a:t>github.com</a:t>
             </a:r>
             <a:r>
-              <a:rPr lang="de-DE" dirty="0" smtClean="0"/>
+              <a:rPr lang="de-DE" dirty="0"/>
               <a:t>/</a:t>
             </a:r>
             <a:r>
-              <a:rPr lang="de-DE" dirty="0" err="1" smtClean="0"/>
+              <a:rPr lang="de-DE" dirty="0" err="1"/>
               <a:t>Teamtool</a:t>
             </a:r>
             <a:r>
-              <a:rPr lang="de-DE" dirty="0" smtClean="0"/>
+              <a:rPr lang="de-DE" dirty="0"/>
               <a:t>/</a:t>
             </a:r>
             <a:r>
-              <a:rPr lang="de-DE" dirty="0" err="1" smtClean="0"/>
+              <a:rPr lang="de-DE" dirty="0" err="1"/>
               <a:t>training</a:t>
             </a:r>
             <a:r>
-              <a:rPr lang="de-DE" dirty="0" smtClean="0"/>
-              <a:t>-cards) </a:t>
-            </a:r>
-            <a:r>
-              <a:rPr lang="de-DE" dirty="0" smtClean="0"/>
-              <a:t>als Vorlage bzw. Schablone frei zur Verfügung.</a:t>
+              <a:rPr lang="de-DE" dirty="0"/>
+              <a:t>-cards) als Vorlage bzw. Schablone frei zur Verfügung.</a:t>
             </a:r>
             <a:endParaRPr lang="de-DE" dirty="0">
               <a:hlinkClick r:id="rId2"/>
@@ -1530,20 +1518,16 @@
           </a:p>
           <a:p>
             <a:r>
-              <a:rPr lang="de-DE" dirty="0" smtClean="0"/>
+              <a:rPr lang="de-DE" dirty="0"/>
               <a:t>Beim </a:t>
             </a:r>
             <a:r>
-              <a:rPr lang="de-DE" dirty="0" err="1" smtClean="0"/>
+              <a:rPr lang="de-DE" dirty="0" err="1"/>
               <a:t>Befüllen</a:t>
             </a:r>
             <a:r>
-              <a:rPr lang="de-DE" dirty="0" smtClean="0"/>
-              <a:t> </a:t>
-            </a:r>
-            <a:r>
-              <a:rPr lang="de-DE" dirty="0"/>
-              <a:t>gibt es Standards, an die man sich halten sollte, um dem Layout gerecht zu werden.</a:t>
+              <a:rPr lang="de-DE" dirty="0"/>
+              <a:t> gibt es Standards, an die man sich halten sollte, um dem Layout gerecht zu werden.</a:t>
             </a:r>
           </a:p>
           <a:p>
@@ -1579,7 +1563,29 @@
           <a:p>
             <a:r>
               <a:rPr lang="de-DE" dirty="0"/>
-              <a:t>Unterhalb des Titels steht der volle Name des Autors in </a:t>
+              <a:t>Unterhalb des Titels </a:t>
+            </a:r>
+            <a:r>
+              <a:rPr lang="de-DE" dirty="0" err="1"/>
+              <a:t>kan</a:t>
+            </a:r>
+            <a:r>
+              <a:rPr lang="de-DE" dirty="0"/>
+              <a:t> der volle Name des Autors in Avenir mit dunkelgrauen Großbuchstaben stehen, daneben das Datum der letzten Änderung in grauer, normaler Schrift.</a:t>
+            </a:r>
+          </a:p>
+          <a:p>
+            <a:r>
+              <a:rPr lang="de-DE" dirty="0"/>
+              <a:t>Die </a:t>
+            </a:r>
+            <a:r>
+              <a:rPr lang="de-DE" dirty="0" err="1"/>
+              <a:t>Bulletpoints</a:t>
+            </a:r>
+            <a:r>
+              <a:rPr lang="de-DE" dirty="0"/>
+              <a:t> auf der Vorderseite sind Pfeile, die Schrift ist </a:t>
             </a:r>
             <a:r>
               <a:rPr lang="de-DE" dirty="0" err="1"/>
@@ -1587,18 +1593,41 @@
             </a:r>
             <a:r>
               <a:rPr lang="de-DE" dirty="0"/>
-              <a:t> mit dunkelgrauen </a:t>
-            </a:r>
-            <a:r>
-              <a:rPr lang="de-DE" dirty="0" smtClean="0"/>
-              <a:t>Großbuchstaben, daneben das Datum der letzten Änderung in grauer, normaler Schrift.</a:t>
-            </a:r>
-            <a:endParaRPr lang="de-DE" dirty="0"/>
-          </a:p>
-          <a:p>
-            <a:r>
-              <a:rPr lang="de-DE" dirty="0"/>
-              <a:t>Die </a:t>
+              <a:t> oder Calibri in dunkelgrau.</a:t>
+            </a:r>
+          </a:p>
+          <a:p>
+            <a:r>
+              <a:rPr lang="de-DE" dirty="0"/>
+              <a:t>Textgröße variiert zwischen 8 </a:t>
+            </a:r>
+            <a:r>
+              <a:rPr lang="de-DE" dirty="0" err="1"/>
+              <a:t>pt</a:t>
+            </a:r>
+            <a:r>
+              <a:rPr lang="de-DE" dirty="0"/>
+              <a:t> und 14 </a:t>
+            </a:r>
+            <a:r>
+              <a:rPr lang="de-DE" dirty="0" err="1"/>
+              <a:t>pt</a:t>
+            </a:r>
+            <a:r>
+              <a:rPr lang="de-DE" dirty="0"/>
+              <a:t>. Die Sprache ist knapp und präzise. Wenn Du das Layout nicht einhalten kannst, weil Du zu viel geschrieben hast, reduziere Deine Worte oder mache aus Deiner Idee zwei Trainingskarten.</a:t>
+            </a:r>
+          </a:p>
+          <a:p>
+            <a:r>
+              <a:rPr lang="de-DE" dirty="0"/>
+              <a:t>Die Anrede auf der Karte ist „per Du“, wobei das „Du“ groß geschrieben wird.</a:t>
+            </a:r>
+          </a:p>
+          <a:p>
+            <a:r>
+              <a:rPr lang="de-DE" dirty="0"/>
+              <a:t>Auf der Rückseite sind die </a:t>
             </a:r>
             <a:r>
               <a:rPr lang="de-DE" dirty="0" err="1"/>
@@ -1606,87 +1635,13 @@
             </a:r>
             <a:r>
               <a:rPr lang="de-DE" dirty="0"/>
-              <a:t> auf der Vorderseite sind Pfeile, die Schrift ist </a:t>
-            </a:r>
-            <a:r>
-              <a:rPr lang="de-DE" dirty="0" err="1"/>
-              <a:t>Avenir</a:t>
-            </a:r>
-            <a:r>
-              <a:rPr lang="de-DE" dirty="0"/>
-              <a:t> oder Calibri in dunkelgrau.</a:t>
-            </a:r>
-          </a:p>
-          <a:p>
-            <a:r>
-              <a:rPr lang="de-DE" dirty="0"/>
-              <a:t>Textgröße variiert zwischen 8 </a:t>
-            </a:r>
-            <a:r>
-              <a:rPr lang="de-DE" dirty="0" err="1"/>
-              <a:t>pt</a:t>
-            </a:r>
-            <a:r>
-              <a:rPr lang="de-DE" dirty="0"/>
-              <a:t> und 14 </a:t>
-            </a:r>
-            <a:r>
-              <a:rPr lang="de-DE" dirty="0" err="1"/>
-              <a:t>pt</a:t>
-            </a:r>
-            <a:r>
-              <a:rPr lang="de-DE" dirty="0"/>
-              <a:t>. Die Sprache ist knapp und präzise. Wenn Du das Layout nicht einhalten kannst, weil Du zu viel geschrieben hast, reduziere Deine Worte oder mache aus Deiner Idee zwei Trainingskarten.</a:t>
-            </a:r>
-          </a:p>
-          <a:p>
-            <a:r>
-              <a:rPr lang="de-DE" dirty="0"/>
-              <a:t>Die Anrede auf der Karte ist „per Du“, wobei das „Du“ groß geschrieben wird.</a:t>
-            </a:r>
-          </a:p>
-          <a:p>
-            <a:r>
-              <a:rPr lang="de-DE" dirty="0"/>
-              <a:t>Auf der Rückseite sind die </a:t>
-            </a:r>
-            <a:r>
-              <a:rPr lang="de-DE" dirty="0" err="1" smtClean="0"/>
-              <a:t>Bulletpoints</a:t>
-            </a:r>
-            <a:r>
-              <a:rPr lang="de-DE" dirty="0" smtClean="0"/>
-              <a:t> </a:t>
-            </a:r>
-            <a:r>
-              <a:rPr lang="de-DE" dirty="0"/>
-              <a:t>leere Kästchen.</a:t>
-            </a:r>
-          </a:p>
-          <a:p>
-            <a:r>
-              <a:rPr lang="de-DE" dirty="0"/>
-              <a:t>Je nach Level </a:t>
-            </a:r>
-            <a:r>
-              <a:rPr lang="de-DE" dirty="0" smtClean="0"/>
-              <a:t>sollte</a:t>
-            </a:r>
-            <a:r>
-              <a:rPr lang="de-DE" dirty="0" smtClean="0"/>
-              <a:t> </a:t>
-            </a:r>
-            <a:r>
-              <a:rPr lang="de-DE" dirty="0"/>
-              <a:t>auf der </a:t>
-            </a:r>
-            <a:r>
-              <a:rPr lang="de-DE" dirty="0" smtClean="0"/>
-              <a:t>Rückseite rechts unten </a:t>
-            </a:r>
-            <a:r>
-              <a:rPr lang="de-DE" dirty="0"/>
-              <a:t>das entsprechende Icon eingefügt werden. Standard ist das </a:t>
+              <a:t> leere Kästchen.</a:t>
+            </a:r>
+          </a:p>
+          <a:p>
+            <a:r>
+              <a:rPr lang="de-DE" dirty="0"/>
+              <a:t>Je nach Level sollte auf der Rückseite rechts unten das entsprechende Icon eingefügt werden. Standard ist das </a:t>
             </a:r>
             <a:r>
               <a:rPr lang="de-DE" dirty="0" err="1"/>
@@ -1694,31 +1649,7 @@
             </a:r>
             <a:r>
               <a:rPr lang="de-DE" dirty="0"/>
-              <a:t> Icon (</a:t>
-            </a:r>
-            <a:r>
-              <a:rPr lang="de-DE" dirty="0" smtClean="0"/>
-              <a:t>Baseballkappe</a:t>
-            </a:r>
-            <a:r>
-              <a:rPr lang="de-DE" dirty="0"/>
-              <a:t>), aber auch die </a:t>
-            </a:r>
-            <a:r>
-              <a:rPr lang="de-DE" dirty="0" smtClean="0"/>
-              <a:t>Icons </a:t>
-            </a:r>
-            <a:r>
-              <a:rPr lang="de-DE" dirty="0"/>
-              <a:t>der beiden anderen </a:t>
-            </a:r>
-            <a:r>
-              <a:rPr lang="de-DE" dirty="0" smtClean="0"/>
-              <a:t>Level </a:t>
-            </a:r>
-            <a:r>
-              <a:rPr lang="de-DE" dirty="0"/>
-              <a:t>stehen in </a:t>
+              <a:t> Icon (Baseballkappe), aber auch die Icons der beiden anderen Level stehen in </a:t>
             </a:r>
             <a:r>
               <a:rPr lang="de-DE" dirty="0" err="1"/>
@@ -1732,23 +1663,7 @@
           <a:p>
             <a:r>
               <a:rPr lang="de-DE" dirty="0"/>
-              <a:t>Im rechten oberen Eck gibt es für jede Trainingskarte eine Signatur. Du kannst </a:t>
-            </a:r>
-            <a:r>
-              <a:rPr lang="de-DE" dirty="0" smtClean="0"/>
-              <a:t>Dir </a:t>
-            </a:r>
-            <a:r>
-              <a:rPr lang="de-DE" dirty="0"/>
-              <a:t>selbst ein Identifizierungskonzept ausdenken. Wenn </a:t>
-            </a:r>
-            <a:r>
-              <a:rPr lang="de-DE" dirty="0" smtClean="0"/>
-              <a:t>Du </a:t>
-            </a:r>
-            <a:r>
-              <a:rPr lang="de-DE" dirty="0"/>
-              <a:t>eine offizielle Signatur von der </a:t>
+              <a:t>Im rechten oberen Eck gibt es für jede Trainingskarte eine Signatur. Du kannst Dir selbst ein Identifizierungskonzept ausdenken. Wenn Du eine offizielle Signatur von der </a:t>
             </a:r>
             <a:r>
               <a:rPr lang="de-DE" dirty="0" err="1"/>
@@ -1764,53 +1679,21 @@
             </a:r>
             <a:r>
               <a:rPr lang="de-DE" dirty="0"/>
-              <a:t> </a:t>
-            </a:r>
-            <a:r>
-              <a:rPr lang="de-DE" dirty="0"/>
-              <a:t>C</a:t>
-            </a:r>
-            <a:r>
-              <a:rPr lang="de-DE" dirty="0" smtClean="0"/>
-              <a:t>ommunity </a:t>
-            </a:r>
-            <a:r>
-              <a:rPr lang="de-DE" dirty="0"/>
-              <a:t>haben möchtest, </a:t>
-            </a:r>
-            <a:r>
-              <a:rPr lang="de-DE"/>
-              <a:t>setze </a:t>
-            </a:r>
-            <a:r>
-              <a:rPr lang="de-DE" smtClean="0"/>
-              <a:t>Dich </a:t>
-            </a:r>
-            <a:r>
-              <a:rPr lang="de-DE" dirty="0"/>
-              <a:t>über die Webseite www.music-moves.de </a:t>
-            </a:r>
-            <a:r>
-              <a:rPr lang="de-DE" dirty="0" smtClean="0"/>
-              <a:t>mit ihr in Verbindung.</a:t>
-            </a:r>
-          </a:p>
-          <a:p>
-            <a:r>
-              <a:rPr lang="de-DE" dirty="0" smtClean="0"/>
+              <a:t> Community haben möchtest, setze Dich über die Webseite www.music-moves.de mit ihr in Verbindung.</a:t>
+            </a:r>
+          </a:p>
+          <a:p>
+            <a:r>
+              <a:rPr lang="de-DE" dirty="0"/>
               <a:t>Wenn Du Deine Trainingskarte rechtlich schützen lassen willst, kannst Du auf der Rückseite unten mittig eine Creative </a:t>
             </a:r>
             <a:r>
-              <a:rPr lang="de-DE" dirty="0" err="1" smtClean="0"/>
+              <a:rPr lang="de-DE" dirty="0" err="1"/>
               <a:t>Commons</a:t>
             </a:r>
             <a:r>
-              <a:rPr lang="de-DE" dirty="0" smtClean="0"/>
-              <a:t> Lizenz platzieren. Informationen hierzu findest Du </a:t>
-            </a:r>
-            <a:r>
-              <a:rPr lang="de-DE" dirty="0"/>
-              <a:t>unter: http://</a:t>
+              <a:rPr lang="de-DE" dirty="0"/>
+              <a:t> Lizenz platzieren. Informationen hierzu findest Du unter: http://</a:t>
             </a:r>
             <a:r>
               <a:rPr lang="de-DE" dirty="0" err="1"/>
@@ -1820,7 +1703,6 @@
               <a:rPr lang="de-DE" dirty="0"/>
               <a:t>/was-ist-cc/</a:t>
             </a:r>
-            <a:endParaRPr lang="de-DE" dirty="0"/>
           </a:p>
         </p:txBody>
       </p:sp>
@@ -1843,34 +1725,25 @@
               <a:buNone/>
             </a:pPr>
             <a:r>
-              <a:rPr lang="de-DE" dirty="0" smtClean="0"/>
+              <a:rPr lang="de-DE" dirty="0"/>
               <a:t>REGINA BRANDHUBER, </a:t>
             </a:r>
             <a:r>
-              <a:rPr lang="de-DE" cap="none" dirty="0" smtClean="0"/>
-              <a:t>zuletzt </a:t>
-            </a:r>
-            <a:r>
-              <a:rPr lang="de-DE" cap="none" dirty="0" smtClean="0"/>
-              <a:t>geändert am</a:t>
-            </a:r>
-            <a:r>
-              <a:rPr lang="de-DE" dirty="0" smtClean="0"/>
-              <a:t> </a:t>
-            </a:r>
-            <a:r>
-              <a:rPr lang="de-DE" dirty="0" smtClean="0"/>
-              <a:t>19. </a:t>
-            </a:r>
-            <a:r>
-              <a:rPr lang="de-DE" cap="none" dirty="0" smtClean="0"/>
+              <a:rPr lang="de-DE" cap="none" dirty="0"/>
+              <a:t>zuletzt geändert am</a:t>
+            </a:r>
+            <a:r>
+              <a:rPr lang="de-DE" dirty="0"/>
+              <a:t> 19. </a:t>
+            </a:r>
+            <a:r>
+              <a:rPr lang="de-DE" cap="none" dirty="0"/>
               <a:t>Oktober </a:t>
             </a:r>
             <a:r>
-              <a:rPr lang="de-DE" dirty="0" smtClean="0"/>
+              <a:rPr lang="de-DE" dirty="0"/>
               <a:t>2015</a:t>
             </a:r>
-            <a:endParaRPr lang="de-DE" dirty="0"/>
           </a:p>
         </p:txBody>
       </p:sp>
@@ -1921,15 +1794,7 @@
           <a:p>
             <a:r>
               <a:rPr lang="de-DE" dirty="0"/>
-              <a:t>Layoute eine Trainingskarte und diskutiere sie mit </a:t>
-            </a:r>
-            <a:r>
-              <a:rPr lang="de-DE" dirty="0" smtClean="0"/>
-              <a:t>Deinem </a:t>
-            </a:r>
-            <a:r>
-              <a:rPr lang="de-DE" dirty="0"/>
-              <a:t>Team oder einem Music </a:t>
+              <a:t>Layoute eine Trainingskarte und diskutiere sie mit Deinem Team oder einem Music </a:t>
             </a:r>
             <a:r>
               <a:rPr lang="de-DE" dirty="0" err="1"/>
@@ -1937,13 +1802,8 @@
             </a:r>
             <a:r>
               <a:rPr lang="de-DE" dirty="0"/>
-              <a:t> Trainer</a:t>
-            </a:r>
-            <a:r>
-              <a:rPr lang="de-DE" dirty="0" smtClean="0"/>
-              <a:t>.</a:t>
-            </a:r>
-            <a:endParaRPr lang="de-DE" dirty="0"/>
+              <a:t> Trainer.</a:t>
+            </a:r>
           </a:p>
           <a:p>
             <a:r>
@@ -1959,7 +1819,6 @@
               <a:rPr lang="de-DE" dirty="0"/>
               <a:t> </a:t>
             </a:r>
-            <a:endParaRPr lang="de-DE" dirty="0"/>
           </a:p>
         </p:txBody>
       </p:sp>

--- a/training-cards/music moves/Training Cards (TRC)/ger/apprentice/ger_TRC_03_Trainingskarte_layouten_MM_A.pptx
+++ b/training-cards/music moves/Training Cards (TRC)/ger/apprentice/ger_TRC_03_Trainingskarte_layouten_MM_A.pptx
@@ -579,7 +579,7 @@
           <a:p>
             <a:fld id="{FF5B2BAF-DF38-0A48-A798-0C06E514FD52}" type="datetimeFigureOut">
               <a:rPr lang="de-DE" smtClean="0"/>
-              <a:t>25.07.23</a:t>
+              <a:t>04.08.24</a:t>
             </a:fld>
             <a:endParaRPr lang="de-DE" dirty="0"/>
           </a:p>
@@ -799,7 +799,7 @@
           <a:p>
             <a:fld id="{FF5B2BAF-DF38-0A48-A798-0C06E514FD52}" type="datetimeFigureOut">
               <a:rPr lang="de-DE" smtClean="0"/>
-              <a:t>25.07.23</a:t>
+              <a:t>04.08.24</a:t>
             </a:fld>
             <a:endParaRPr lang="de-DE" dirty="0"/>
           </a:p>
@@ -1462,13 +1462,19 @@
             <p:ph idx="13"/>
           </p:nvPr>
         </p:nvSpPr>
-        <p:spPr/>
+        <p:spPr>
+          <a:xfrm>
+            <a:off x="858838" y="1568452"/>
+            <a:ext cx="6260419" cy="3133835"/>
+          </a:xfrm>
+        </p:spPr>
         <p:txBody>
           <a:bodyPr>
-            <a:normAutofit fontScale="92500" lnSpcReduction="10000"/>
+            <a:normAutofit fontScale="92500"/>
           </a:bodyPr>
           <a:lstStyle/>
           <a:p>
+            <a:pPr algn="just"/>
             <a:r>
               <a:rPr lang="de-DE" dirty="0"/>
               <a:t>Das Layout der Trainingskarten wurde professionell entworfen. Es steht in </a:t>
@@ -1517,6 +1523,7 @@
             </a:endParaRPr>
           </a:p>
           <a:p>
+            <a:pPr algn="just"/>
             <a:r>
               <a:rPr lang="de-DE" dirty="0"/>
               <a:t>Beim </a:t>
@@ -1531,6 +1538,7 @@
             </a:r>
           </a:p>
           <a:p>
+            <a:pPr algn="just"/>
             <a:r>
               <a:rPr lang="de-DE" dirty="0"/>
               <a:t>Der Titel neben dem Logo ist 24 </a:t>
@@ -1561,20 +1569,14 @@
             </a:r>
           </a:p>
           <a:p>
-            <a:r>
-              <a:rPr lang="de-DE" dirty="0"/>
-              <a:t>Unterhalb des Titels </a:t>
-            </a:r>
-            <a:r>
-              <a:rPr lang="de-DE" dirty="0" err="1"/>
-              <a:t>kan</a:t>
-            </a:r>
-            <a:r>
-              <a:rPr lang="de-DE" dirty="0"/>
-              <a:t> der volle Name des Autors in Avenir mit dunkelgrauen Großbuchstaben stehen, daneben das Datum der letzten Änderung in grauer, normaler Schrift.</a:t>
-            </a:r>
-          </a:p>
-          <a:p>
+            <a:pPr algn="just"/>
+            <a:r>
+              <a:rPr lang="de-DE" dirty="0"/>
+              <a:t>Unterhalb des Titels kann der volle Name des Autors in Avenir mit dunkelgrauen Großbuchstaben stehen, daneben das Datum der letzten Änderung in grauer, normaler Schrift.</a:t>
+            </a:r>
+          </a:p>
+          <a:p>
+            <a:pPr algn="just"/>
             <a:r>
               <a:rPr lang="de-DE" dirty="0"/>
               <a:t>Die </a:t>
@@ -1597,6 +1599,7 @@
             </a:r>
           </a:p>
           <a:p>
+            <a:pPr algn="just"/>
             <a:r>
               <a:rPr lang="de-DE" dirty="0"/>
               <a:t>Textgröße variiert zwischen 8 </a:t>
@@ -1619,12 +1622,14 @@
             </a:r>
           </a:p>
           <a:p>
-            <a:r>
-              <a:rPr lang="de-DE" dirty="0"/>
-              <a:t>Die Anrede auf der Karte ist „per Du“, wobei das „Du“ groß geschrieben wird.</a:t>
-            </a:r>
-          </a:p>
-          <a:p>
+            <a:pPr algn="just"/>
+            <a:r>
+              <a:rPr lang="de-DE" dirty="0"/>
+              <a:t>Die Anrede auf der Karte ist das „Du“, wobei das „Du“ groß geschrieben wird.</a:t>
+            </a:r>
+          </a:p>
+          <a:p>
+            <a:pPr algn="just"/>
             <a:r>
               <a:rPr lang="de-DE" dirty="0"/>
               <a:t>Auf der Rückseite sind die </a:t>
@@ -1639,6 +1644,7 @@
             </a:r>
           </a:p>
           <a:p>
+            <a:pPr algn="just"/>
             <a:r>
               <a:rPr lang="de-DE" dirty="0"/>
               <a:t>Je nach Level sollte auf der Rückseite rechts unten das entsprechende Icon eingefügt werden. Standard ist das </a:t>
@@ -1661,6 +1667,7 @@
             </a:r>
           </a:p>
           <a:p>
+            <a:pPr algn="just"/>
             <a:r>
               <a:rPr lang="de-DE" dirty="0"/>
               <a:t>Im rechten oberen Eck gibt es für jede Trainingskarte eine Signatur. Du kannst Dir selbst ein Identifizierungskonzept ausdenken. Wenn Du eine offizielle Signatur von der </a:t>
@@ -1683,6 +1690,7 @@
             </a:r>
           </a:p>
           <a:p>
+            <a:pPr algn="just"/>
             <a:r>
               <a:rPr lang="de-DE" dirty="0"/>
               <a:t>Wenn Du Deine Trainingskarte rechtlich schützen lassen willst, kannst Du auf der Rückseite unten mittig eine Creative </a:t>

--- a/training-cards/music moves/Training Cards (TRC)/ger/apprentice/ger_TRC_03_Trainingskarte_layouten_MM_A.pptx
+++ b/training-cards/music moves/Training Cards (TRC)/ger/apprentice/ger_TRC_03_Trainingskarte_layouten_MM_A.pptx
@@ -579,7 +579,7 @@
           <a:p>
             <a:fld id="{FF5B2BAF-DF38-0A48-A798-0C06E514FD52}" type="datetimeFigureOut">
               <a:rPr lang="de-DE" smtClean="0"/>
-              <a:t>04.08.24</a:t>
+              <a:t>25.10.25</a:t>
             </a:fld>
             <a:endParaRPr lang="de-DE" dirty="0"/>
           </a:p>
@@ -799,7 +799,7 @@
           <a:p>
             <a:fld id="{FF5B2BAF-DF38-0A48-A798-0C06E514FD52}" type="datetimeFigureOut">
               <a:rPr lang="de-DE" smtClean="0"/>
-              <a:t>04.08.24</a:t>
+              <a:t>25.10.25</a:t>
             </a:fld>
             <a:endParaRPr lang="de-DE" dirty="0"/>
           </a:p>
@@ -1470,246 +1470,218 @@
         </p:spPr>
         <p:txBody>
           <a:bodyPr>
-            <a:normAutofit fontScale="92500"/>
+            <a:noAutofit/>
           </a:bodyPr>
           <a:lstStyle/>
           <a:p>
             <a:pPr algn="just"/>
             <a:r>
-              <a:rPr lang="de-DE" dirty="0"/>
+              <a:rPr lang="de-DE" sz="850" dirty="0"/>
               <a:t>Das Layout der Trainingskarten wurde professionell entworfen. Es steht in </a:t>
             </a:r>
             <a:r>
-              <a:rPr lang="de-DE" dirty="0" err="1"/>
+              <a:rPr lang="de-DE" sz="850" dirty="0" err="1"/>
               <a:t>github</a:t>
             </a:r>
             <a:r>
-              <a:rPr lang="de-DE" dirty="0"/>
+              <a:rPr lang="de-DE" sz="850" dirty="0"/>
               <a:t> </a:t>
             </a:r>
             <a:br>
-              <a:rPr lang="de-DE" dirty="0"/>
+              <a:rPr lang="de-DE" sz="850" dirty="0"/>
             </a:br>
             <a:r>
-              <a:rPr lang="de-DE" dirty="0"/>
-              <a:t>(http://</a:t>
-            </a:r>
-            <a:r>
-              <a:rPr lang="de-DE" dirty="0" err="1"/>
-              <a:t>github.com</a:t>
-            </a:r>
-            <a:r>
-              <a:rPr lang="de-DE" dirty="0"/>
+              <a:rPr lang="de-DE" sz="850" dirty="0"/>
+              <a:t>(https://github.com/Teamtool/training-materials/blob/master/training-cards/music%20moves/01_musicmoves_ </a:t>
+            </a:r>
+            <a:r>
+              <a:rPr lang="de-DE" sz="850" dirty="0" err="1"/>
+              <a:t>templates</a:t>
+            </a:r>
+            <a:r>
+              <a:rPr lang="de-DE" sz="850" dirty="0"/>
               <a:t>/</a:t>
             </a:r>
             <a:r>
-              <a:rPr lang="de-DE" dirty="0" err="1"/>
-              <a:t>Teamtool</a:t>
-            </a:r>
-            <a:r>
-              <a:rPr lang="de-DE" dirty="0"/>
-              <a:t>/</a:t>
-            </a:r>
-            <a:r>
-              <a:rPr lang="de-DE" dirty="0" err="1"/>
-              <a:t>training</a:t>
-            </a:r>
-            <a:r>
-              <a:rPr lang="de-DE" dirty="0"/>
-              <a:t>-cards) als Vorlage bzw. Schablone frei zur Verfügung.</a:t>
-            </a:r>
-            <a:endParaRPr lang="de-DE" dirty="0">
+              <a:rPr lang="de-DE" sz="850" dirty="0" err="1"/>
+              <a:t>Aufbau_einer_Karte.pptx</a:t>
+            </a:r>
+            <a:r>
+              <a:rPr lang="de-DE" sz="850" dirty="0"/>
+              <a:t>) als Vorlage bzw. Schablone frei zur Verfügung.</a:t>
+            </a:r>
+            <a:endParaRPr lang="de-DE" sz="850" dirty="0">
               <a:hlinkClick r:id="rId2"/>
             </a:endParaRPr>
           </a:p>
           <a:p>
             <a:pPr algn="just"/>
             <a:r>
-              <a:rPr lang="de-DE" dirty="0"/>
-              <a:t>Beim </a:t>
-            </a:r>
-            <a:r>
-              <a:rPr lang="de-DE" dirty="0" err="1"/>
-              <a:t>Befüllen</a:t>
-            </a:r>
-            <a:r>
-              <a:rPr lang="de-DE" dirty="0"/>
-              <a:t> gibt es Standards, an die man sich halten sollte, um dem Layout gerecht zu werden.</a:t>
+              <a:rPr lang="de-DE" sz="850" dirty="0"/>
+              <a:t>Beim Befüllen gibt es Standards, an die man sich halten kann, um dem Layout gerecht zu werden.</a:t>
             </a:r>
           </a:p>
           <a:p>
             <a:pPr algn="just"/>
             <a:r>
-              <a:rPr lang="de-DE" dirty="0"/>
+              <a:rPr lang="de-DE" sz="850" dirty="0"/>
               <a:t>Der Titel neben dem Logo ist 24 </a:t>
             </a:r>
             <a:r>
-              <a:rPr lang="de-DE" dirty="0" err="1"/>
+              <a:rPr lang="de-DE" sz="850" dirty="0" err="1"/>
               <a:t>pt</a:t>
             </a:r>
             <a:r>
-              <a:rPr lang="de-DE" dirty="0"/>
+              <a:rPr lang="de-DE" sz="850" dirty="0"/>
               <a:t> groß und wird in Großbuchstaben geschrieben. Die erste Hälfte der Überschrift ist dick (</a:t>
             </a:r>
             <a:r>
-              <a:rPr lang="de-DE" dirty="0" err="1"/>
+              <a:rPr lang="de-DE" sz="850" dirty="0" err="1"/>
               <a:t>Avenir</a:t>
             </a:r>
             <a:r>
-              <a:rPr lang="de-DE" dirty="0"/>
+              <a:rPr lang="de-DE" sz="850" dirty="0"/>
               <a:t> Heavy) und die zweite dünn (</a:t>
             </a:r>
             <a:r>
-              <a:rPr lang="de-DE" dirty="0" err="1"/>
+              <a:rPr lang="de-DE" sz="850" dirty="0" err="1"/>
               <a:t>Avenir</a:t>
             </a:r>
             <a:r>
-              <a:rPr lang="de-DE" dirty="0"/>
+              <a:rPr lang="de-DE" sz="850" dirty="0"/>
               <a:t> Book).</a:t>
             </a:r>
           </a:p>
           <a:p>
             <a:pPr algn="just"/>
             <a:r>
-              <a:rPr lang="de-DE" dirty="0"/>
+              <a:rPr lang="de-DE" sz="850" dirty="0"/>
               <a:t>Unterhalb des Titels kann der volle Name des Autors in Avenir mit dunkelgrauen Großbuchstaben stehen, daneben das Datum der letzten Änderung in grauer, normaler Schrift.</a:t>
             </a:r>
           </a:p>
           <a:p>
             <a:pPr algn="just"/>
             <a:r>
-              <a:rPr lang="de-DE" dirty="0"/>
+              <a:rPr lang="de-DE" sz="850" dirty="0"/>
               <a:t>Die </a:t>
             </a:r>
             <a:r>
-              <a:rPr lang="de-DE" dirty="0" err="1"/>
+              <a:rPr lang="de-DE" sz="850" dirty="0" err="1"/>
               <a:t>Bulletpoints</a:t>
             </a:r>
             <a:r>
-              <a:rPr lang="de-DE" dirty="0"/>
+              <a:rPr lang="de-DE" sz="850" dirty="0"/>
               <a:t> auf der Vorderseite sind Pfeile, die Schrift ist </a:t>
             </a:r>
             <a:r>
-              <a:rPr lang="de-DE" dirty="0" err="1"/>
+              <a:rPr lang="de-DE" sz="850" dirty="0" err="1"/>
               <a:t>Avenir</a:t>
             </a:r>
             <a:r>
-              <a:rPr lang="de-DE" dirty="0"/>
+              <a:rPr lang="de-DE" sz="850" dirty="0"/>
               <a:t> oder Calibri in dunkelgrau.</a:t>
             </a:r>
           </a:p>
           <a:p>
             <a:pPr algn="just"/>
             <a:r>
-              <a:rPr lang="de-DE" dirty="0"/>
+              <a:rPr lang="de-DE" sz="850" dirty="0"/>
               <a:t>Textgröße variiert zwischen 8 </a:t>
             </a:r>
             <a:r>
-              <a:rPr lang="de-DE" dirty="0" err="1"/>
+              <a:rPr lang="de-DE" sz="850" dirty="0" err="1"/>
               <a:t>pt</a:t>
             </a:r>
             <a:r>
-              <a:rPr lang="de-DE" dirty="0"/>
+              <a:rPr lang="de-DE" sz="850" dirty="0"/>
               <a:t> und 14 </a:t>
             </a:r>
             <a:r>
-              <a:rPr lang="de-DE" dirty="0" err="1"/>
+              <a:rPr lang="de-DE" sz="850" dirty="0" err="1"/>
               <a:t>pt</a:t>
             </a:r>
             <a:r>
-              <a:rPr lang="de-DE" dirty="0"/>
+              <a:rPr lang="de-DE" sz="850" dirty="0"/>
               <a:t>. Die Sprache ist knapp und präzise. Wenn Du das Layout nicht einhalten kannst, weil Du zu viel geschrieben hast, reduziere Deine Worte oder mache aus Deiner Idee zwei Trainingskarten.</a:t>
             </a:r>
           </a:p>
           <a:p>
             <a:pPr algn="just"/>
             <a:r>
-              <a:rPr lang="de-DE" dirty="0"/>
+              <a:rPr lang="de-DE" sz="850" dirty="0"/>
               <a:t>Die Anrede auf der Karte ist das „Du“, wobei das „Du“ groß geschrieben wird.</a:t>
             </a:r>
           </a:p>
           <a:p>
             <a:pPr algn="just"/>
             <a:r>
-              <a:rPr lang="de-DE" dirty="0"/>
+              <a:rPr lang="de-DE" sz="850" dirty="0"/>
               <a:t>Auf der Rückseite sind die </a:t>
             </a:r>
             <a:r>
-              <a:rPr lang="de-DE" dirty="0" err="1"/>
+              <a:rPr lang="de-DE" sz="850" dirty="0" err="1"/>
               <a:t>Bulletpoints</a:t>
             </a:r>
             <a:r>
-              <a:rPr lang="de-DE" dirty="0"/>
+              <a:rPr lang="de-DE" sz="850" dirty="0"/>
               <a:t> leere Kästchen.</a:t>
             </a:r>
           </a:p>
           <a:p>
             <a:pPr algn="just"/>
             <a:r>
-              <a:rPr lang="de-DE" dirty="0"/>
-              <a:t>Je nach Level sollte auf der Rückseite rechts unten das entsprechende Icon eingefügt werden. Standard ist das </a:t>
-            </a:r>
-            <a:r>
-              <a:rPr lang="de-DE" dirty="0" err="1"/>
-              <a:t>Apprentice</a:t>
-            </a:r>
-            <a:r>
-              <a:rPr lang="de-DE" dirty="0"/>
-              <a:t> Icon (Baseballkappe), aber auch die Icons der beiden anderen Level stehen in </a:t>
-            </a:r>
-            <a:r>
-              <a:rPr lang="de-DE" dirty="0" err="1"/>
+              <a:rPr lang="de-DE" sz="850" dirty="0"/>
+              <a:t>Je nach Level sollte auf der Rückseite rechts unten das entsprechende Icon eingefügt werden. Standard ist das Apprentice Icon (Baseballkappe), aber auch die Icons der beiden anderen Level stehen in </a:t>
+            </a:r>
+            <a:r>
+              <a:rPr lang="de-DE" sz="850" dirty="0" err="1"/>
               <a:t>github</a:t>
             </a:r>
             <a:r>
-              <a:rPr lang="de-DE" dirty="0"/>
-              <a:t> zur Verfügung.</a:t>
-            </a:r>
+              <a:rPr lang="de-DE" sz="850" dirty="0"/>
+              <a:t> zur Verfügung: </a:t>
+            </a:r>
+            <a:br>
+              <a:rPr lang="de-DE" sz="850" dirty="0"/>
+            </a:br>
+            <a:r>
+              <a:rPr lang="de-DE" sz="850" dirty="0"/>
+              <a:t>https://github.com/Teamtool/training-materials/blob/master/training-cards/music%20moves/01_musicmoves_ </a:t>
+            </a:r>
+            <a:r>
+              <a:rPr lang="de-DE" sz="850" dirty="0" err="1"/>
+              <a:t>templates</a:t>
+            </a:r>
+            <a:r>
+              <a:rPr lang="de-DE" sz="850" dirty="0"/>
+              <a:t>/</a:t>
+            </a:r>
+            <a:r>
+              <a:rPr lang="de-DE" sz="850" dirty="0" err="1"/>
+              <a:t>mm_Icon_apprentice.png</a:t>
+            </a:r>
+            <a:endParaRPr lang="de-DE" sz="850" dirty="0"/>
           </a:p>
           <a:p>
             <a:pPr algn="just"/>
             <a:r>
-              <a:rPr lang="de-DE" dirty="0"/>
-              <a:t>Im rechten oberen Eck gibt es für jede Trainingskarte eine Signatur. Du kannst Dir selbst ein Identifizierungskonzept ausdenken. Wenn Du eine offizielle Signatur von der </a:t>
-            </a:r>
-            <a:r>
-              <a:rPr lang="de-DE" dirty="0" err="1"/>
-              <a:t>music</a:t>
-            </a:r>
-            <a:r>
-              <a:rPr lang="de-DE" dirty="0"/>
-              <a:t> </a:t>
-            </a:r>
-            <a:r>
-              <a:rPr lang="de-DE" dirty="0" err="1"/>
-              <a:t>moves</a:t>
-            </a:r>
-            <a:r>
-              <a:rPr lang="de-DE" dirty="0"/>
-              <a:t> Community haben möchtest, setze Dich über die Webseite www.music-moves.de mit ihr in Verbindung.</a:t>
+              <a:rPr lang="de-DE" sz="850" dirty="0"/>
+              <a:t>Im linken oberen Eck gibt es für jede Trainingskarte eine Signatur bzw. ein Logo. Du kannst Dir selbst ein Identifizierungskonzept ausdenken. Wenn Du eine offizielle Signatur von der Music Moves-Community haben möchtest, setze Dich gerne mit der Community in Verbindung: </a:t>
+            </a:r>
+            <a:r>
+              <a:rPr lang="de-DE" sz="850" dirty="0" err="1"/>
+              <a:t>info@music-moves.de</a:t>
+            </a:r>
+            <a:r>
+              <a:rPr lang="de-DE" sz="850" dirty="0"/>
+              <a:t>.</a:t>
             </a:r>
           </a:p>
           <a:p>
             <a:pPr algn="just"/>
             <a:r>
-              <a:rPr lang="de-DE" dirty="0"/>
-              <a:t>Wenn Du Deine Trainingskarte rechtlich schützen lassen willst, kannst Du auf der Rückseite unten mittig eine Creative </a:t>
-            </a:r>
-            <a:r>
-              <a:rPr lang="de-DE" dirty="0" err="1"/>
-              <a:t>Commons</a:t>
-            </a:r>
-            <a:r>
-              <a:rPr lang="de-DE" dirty="0"/>
-              <a:t> Lizenz platzieren. Informationen hierzu findest Du unter: http://</a:t>
-            </a:r>
-            <a:r>
-              <a:rPr lang="de-DE" dirty="0" err="1"/>
-              <a:t>de.creativecommons.org</a:t>
-            </a:r>
-            <a:r>
-              <a:rPr lang="de-DE" dirty="0"/>
-              <a:t>/was-ist-cc/</a:t>
+              <a:rPr lang="de-DE" sz="850" dirty="0"/>
+              <a:t>Wenn Du Deine Trainingskarte rechtlich schützen lassen willst, kannst Du auf der Rückseite unten mittig eine Creative Commons Lizenz platzieren, die du aus dieser Trainingskarte kopieren kannst. Informationen hierzu findest Du unter: http://de.creativecommons.org/was-ist-cc/</a:t>
             </a:r>
           </a:p>
         </p:txBody>
@@ -1830,6 +1802,314 @@
           </a:p>
         </p:txBody>
       </p:sp>
+      <p:sp>
+        <p:nvSpPr>
+          <p:cNvPr id="3" name="Shape 7">
+            <a:extLst>
+              <a:ext uri="{FF2B5EF4-FFF2-40B4-BE49-F238E27FC236}">
+                <a16:creationId xmlns:a16="http://schemas.microsoft.com/office/drawing/2014/main" id="{49FAC10B-F824-23AF-9E74-8BA513403C01}"/>
+              </a:ext>
+            </a:extLst>
+          </p:cNvPr>
+          <p:cNvSpPr/>
+          <p:nvPr/>
+        </p:nvSpPr>
+        <p:spPr>
+          <a:xfrm>
+            <a:off x="971550" y="4689585"/>
+            <a:ext cx="4691860" cy="461661"/>
+          </a:xfrm>
+          <a:prstGeom prst="rect">
+            <a:avLst/>
+          </a:prstGeom>
+          <a:ln w="12700">
+            <a:miter lim="400000"/>
+          </a:ln>
+          <a:extLst>
+            <a:ext uri="{C572A759-6A51-4108-AA02-DFA0A04FC94B}">
+              <ma14:wrappingTextBoxFlag xmlns:ma14="http://schemas.microsoft.com/office/mac/drawingml/2011/main" xmlns="" val="1"/>
+            </a:ext>
+          </a:extLst>
+        </p:spPr>
+        <p:txBody>
+          <a:bodyPr wrap="square" lIns="45718" tIns="45718" rIns="45718" bIns="45718">
+            <a:spAutoFit/>
+          </a:bodyPr>
+          <a:lstStyle/>
+          <a:p>
+            <a:pPr lvl="0" algn="ctr">
+              <a:defRPr sz="1800"/>
+            </a:pPr>
+            <a:r>
+              <a:rPr lang="de-DE" sz="800" b="0" i="0" u="none" strike="noStrike" dirty="0" err="1">
+                <a:solidFill>
+                  <a:schemeClr val="tx1">
+                    <a:lumMod val="65000"/>
+                    <a:lumOff val="35000"/>
+                  </a:schemeClr>
+                </a:solidFill>
+                <a:effectLst/>
+                <a:latin typeface="Avenir Book" panose="02000503020000020003" pitchFamily="2" charset="0"/>
+              </a:rPr>
+              <a:t>music</a:t>
+            </a:r>
+            <a:r>
+              <a:rPr lang="de-DE" sz="800" b="0" i="0" u="none" strike="noStrike" dirty="0">
+                <a:solidFill>
+                  <a:schemeClr val="tx1">
+                    <a:lumMod val="65000"/>
+                    <a:lumOff val="35000"/>
+                  </a:schemeClr>
+                </a:solidFill>
+                <a:effectLst/>
+                <a:latin typeface="Avenir Book" panose="02000503020000020003" pitchFamily="2" charset="0"/>
+              </a:rPr>
+              <a:t> </a:t>
+            </a:r>
+            <a:r>
+              <a:rPr lang="de-DE" sz="800" b="0" i="0" u="none" strike="noStrike" dirty="0" err="1">
+                <a:solidFill>
+                  <a:schemeClr val="tx1">
+                    <a:lumMod val="65000"/>
+                    <a:lumOff val="35000"/>
+                  </a:schemeClr>
+                </a:solidFill>
+                <a:effectLst/>
+                <a:latin typeface="Avenir Book" panose="02000503020000020003" pitchFamily="2" charset="0"/>
+              </a:rPr>
+              <a:t>moves</a:t>
+            </a:r>
+            <a:r>
+              <a:rPr lang="de-DE" sz="800" b="0" i="0" u="none" strike="noStrike" dirty="0">
+                <a:solidFill>
+                  <a:schemeClr val="tx1">
+                    <a:lumMod val="65000"/>
+                    <a:lumOff val="35000"/>
+                  </a:schemeClr>
+                </a:solidFill>
+                <a:effectLst/>
+                <a:latin typeface="Avenir Book" panose="02000503020000020003" pitchFamily="2" charset="0"/>
+              </a:rPr>
+              <a:t>-Trainingskarten von Regina Brandhuber sind lizenziert unter einer Creative Commons </a:t>
+            </a:r>
+          </a:p>
+          <a:p>
+            <a:pPr lvl="0" algn="ctr">
+              <a:defRPr sz="1800"/>
+            </a:pPr>
+            <a:r>
+              <a:rPr lang="de-DE" sz="800" b="0" i="0" u="none" strike="noStrike" dirty="0">
+                <a:solidFill>
+                  <a:schemeClr val="tx1">
+                    <a:lumMod val="65000"/>
+                    <a:lumOff val="35000"/>
+                  </a:schemeClr>
+                </a:solidFill>
+                <a:effectLst/>
+                <a:latin typeface="Avenir Book" panose="02000503020000020003" pitchFamily="2" charset="0"/>
+              </a:rPr>
+              <a:t>Namensnennung-Nicht kommerziell 4.0 International Lizenz.</a:t>
+            </a:r>
+          </a:p>
+          <a:p>
+            <a:pPr lvl="0" algn="ctr">
+              <a:defRPr sz="1800"/>
+            </a:pPr>
+            <a:r>
+              <a:rPr lang="de-DE" sz="800" dirty="0">
+                <a:solidFill>
+                  <a:schemeClr val="tx1">
+                    <a:lumMod val="65000"/>
+                    <a:lumOff val="35000"/>
+                  </a:schemeClr>
+                </a:solidFill>
+                <a:latin typeface="Avenir Book" panose="02000503020000020003" pitchFamily="2" charset="0"/>
+                <a:ea typeface="Calibri"/>
+                <a:cs typeface="Avenir Light"/>
+                <a:sym typeface="Calibri"/>
+              </a:rPr>
+              <a:t>Nachzulesen unter:</a:t>
+            </a:r>
+            <a:r>
+              <a:rPr sz="800" dirty="0">
+                <a:solidFill>
+                  <a:schemeClr val="tx1">
+                    <a:lumMod val="65000"/>
+                    <a:lumOff val="35000"/>
+                  </a:schemeClr>
+                </a:solidFill>
+                <a:latin typeface="Avenir Book" panose="02000503020000020003" pitchFamily="2" charset="0"/>
+                <a:ea typeface="Calibri"/>
+                <a:cs typeface="Avenir Light"/>
+                <a:sym typeface="Calibri"/>
+              </a:rPr>
+              <a:t> </a:t>
+            </a:r>
+            <a:r>
+              <a:rPr lang="de-DE" sz="800" dirty="0">
+                <a:solidFill>
+                  <a:schemeClr val="tx1">
+                    <a:lumMod val="65000"/>
+                    <a:lumOff val="35000"/>
+                  </a:schemeClr>
+                </a:solidFill>
+                <a:latin typeface="Avenir Book" panose="02000503020000020003" pitchFamily="2" charset="0"/>
+                <a:ea typeface="Calibri"/>
+                <a:cs typeface="Avenir Light"/>
+                <a:sym typeface="Calibri"/>
+              </a:rPr>
+              <a:t>https://</a:t>
+            </a:r>
+            <a:r>
+              <a:rPr lang="de-DE" sz="800" dirty="0" err="1">
+                <a:solidFill>
+                  <a:schemeClr val="tx1">
+                    <a:lumMod val="65000"/>
+                    <a:lumOff val="35000"/>
+                  </a:schemeClr>
+                </a:solidFill>
+                <a:latin typeface="Avenir Book" panose="02000503020000020003" pitchFamily="2" charset="0"/>
+                <a:ea typeface="Calibri"/>
+                <a:cs typeface="Avenir Light"/>
+                <a:sym typeface="Calibri"/>
+              </a:rPr>
+              <a:t>creativecommons.org</a:t>
+            </a:r>
+            <a:r>
+              <a:rPr lang="de-DE" sz="800" dirty="0">
+                <a:solidFill>
+                  <a:schemeClr val="tx1">
+                    <a:lumMod val="65000"/>
+                    <a:lumOff val="35000"/>
+                  </a:schemeClr>
+                </a:solidFill>
+                <a:latin typeface="Avenir Book" panose="02000503020000020003" pitchFamily="2" charset="0"/>
+                <a:ea typeface="Calibri"/>
+                <a:cs typeface="Avenir Light"/>
+                <a:sym typeface="Calibri"/>
+              </a:rPr>
+              <a:t>/</a:t>
+            </a:r>
+            <a:r>
+              <a:rPr lang="de-DE" sz="800" dirty="0" err="1">
+                <a:solidFill>
+                  <a:schemeClr val="tx1">
+                    <a:lumMod val="65000"/>
+                    <a:lumOff val="35000"/>
+                  </a:schemeClr>
+                </a:solidFill>
+                <a:latin typeface="Avenir Book" panose="02000503020000020003" pitchFamily="2" charset="0"/>
+                <a:ea typeface="Calibri"/>
+                <a:cs typeface="Avenir Light"/>
+                <a:sym typeface="Calibri"/>
+              </a:rPr>
+              <a:t>licenses</a:t>
+            </a:r>
+            <a:r>
+              <a:rPr lang="de-DE" sz="800" dirty="0">
+                <a:solidFill>
+                  <a:schemeClr val="tx1">
+                    <a:lumMod val="65000"/>
+                    <a:lumOff val="35000"/>
+                  </a:schemeClr>
+                </a:solidFill>
+                <a:latin typeface="Avenir Book" panose="02000503020000020003" pitchFamily="2" charset="0"/>
+                <a:ea typeface="Calibri"/>
+                <a:cs typeface="Avenir Light"/>
+                <a:sym typeface="Calibri"/>
+              </a:rPr>
+              <a:t>/</a:t>
+            </a:r>
+            <a:r>
+              <a:rPr lang="de-DE" sz="800" dirty="0" err="1">
+                <a:solidFill>
+                  <a:schemeClr val="tx1">
+                    <a:lumMod val="65000"/>
+                    <a:lumOff val="35000"/>
+                  </a:schemeClr>
+                </a:solidFill>
+                <a:latin typeface="Avenir Book" panose="02000503020000020003" pitchFamily="2" charset="0"/>
+                <a:ea typeface="Calibri"/>
+                <a:cs typeface="Avenir Light"/>
+                <a:sym typeface="Calibri"/>
+              </a:rPr>
+              <a:t>by-nc</a:t>
+            </a:r>
+            <a:r>
+              <a:rPr lang="de-DE" sz="800" dirty="0">
+                <a:solidFill>
+                  <a:schemeClr val="tx1">
+                    <a:lumMod val="65000"/>
+                    <a:lumOff val="35000"/>
+                  </a:schemeClr>
+                </a:solidFill>
+                <a:latin typeface="Avenir Book" panose="02000503020000020003" pitchFamily="2" charset="0"/>
+                <a:ea typeface="Calibri"/>
+                <a:cs typeface="Avenir Light"/>
+                <a:sym typeface="Calibri"/>
+              </a:rPr>
+              <a:t>/4.0/</a:t>
+            </a:r>
+            <a:r>
+              <a:rPr lang="de-DE" sz="800" dirty="0" err="1">
+                <a:solidFill>
+                  <a:schemeClr val="tx1">
+                    <a:lumMod val="65000"/>
+                    <a:lumOff val="35000"/>
+                  </a:schemeClr>
+                </a:solidFill>
+                <a:latin typeface="Avenir Book" panose="02000503020000020003" pitchFamily="2" charset="0"/>
+                <a:ea typeface="Calibri"/>
+                <a:cs typeface="Avenir Light"/>
+                <a:sym typeface="Calibri"/>
+              </a:rPr>
+              <a:t>deed.de</a:t>
+            </a:r>
+            <a:endParaRPr sz="800" dirty="0">
+              <a:solidFill>
+                <a:schemeClr val="tx1">
+                  <a:lumMod val="65000"/>
+                  <a:lumOff val="35000"/>
+                </a:schemeClr>
+              </a:solidFill>
+              <a:latin typeface="Avenir Book" panose="02000503020000020003" pitchFamily="2" charset="0"/>
+              <a:ea typeface="Calibri"/>
+              <a:cs typeface="Avenir Light"/>
+              <a:sym typeface="Calibri"/>
+            </a:endParaRPr>
+          </a:p>
+        </p:txBody>
+      </p:sp>
+      <p:pic>
+        <p:nvPicPr>
+          <p:cNvPr id="4" name="pasted-image.tif">
+            <a:extLst>
+              <a:ext uri="{FF2B5EF4-FFF2-40B4-BE49-F238E27FC236}">
+                <a16:creationId xmlns:a16="http://schemas.microsoft.com/office/drawing/2014/main" id="{2C31A0DA-32E0-31A0-D7B4-9F5C307006EE}"/>
+              </a:ext>
+            </a:extLst>
+          </p:cNvPr>
+          <p:cNvPicPr/>
+          <p:nvPr/>
+        </p:nvPicPr>
+        <p:blipFill rotWithShape="1">
+          <a:blip r:embed="rId2"/>
+          <a:srcRect r="24777" b="-3233"/>
+          <a:stretch/>
+        </p:blipFill>
+        <p:spPr>
+          <a:xfrm>
+            <a:off x="5724347" y="4733926"/>
+            <a:ext cx="1009828" cy="333374"/>
+          </a:xfrm>
+          <a:prstGeom prst="rect">
+            <a:avLst/>
+          </a:prstGeom>
+          <a:ln w="12700">
+            <a:miter lim="400000"/>
+          </a:ln>
+        </p:spPr>
+      </p:pic>
     </p:spTree>
     <p:extLst>
       <p:ext uri="{BB962C8B-B14F-4D97-AF65-F5344CB8AC3E}">
